--- a/Presentations/AI - Markov.pptx
+++ b/Presentations/AI - Markov.pptx
@@ -207,7 +207,7 @@
           <a:p>
             <a:fld id="{FAF957FC-5175-49AC-8D2B-2F056FFFC1DD}" type="datetimeFigureOut">
               <a:rPr lang="en-US" smtClean="0"/>
-              <a:t>8/11/2017</a:t>
+              <a:t>10/25/2017</a:t>
             </a:fld>
             <a:endParaRPr lang="en-US"/>
           </a:p>
@@ -741,7 +741,7 @@
             <a:fld id="{1D8BD707-D9CF-40AE-B4C6-C98DA3205C09}" type="datetimeFigureOut">
               <a:rPr lang="en-US" smtClean="0"/>
               <a:pPr/>
-              <a:t>8/11/2017</a:t>
+              <a:t>10/25/2017</a:t>
             </a:fld>
             <a:endParaRPr lang="en-US"/>
           </a:p>
@@ -908,7 +908,7 @@
             <a:fld id="{1D8BD707-D9CF-40AE-B4C6-C98DA3205C09}" type="datetimeFigureOut">
               <a:rPr lang="en-US" smtClean="0"/>
               <a:pPr/>
-              <a:t>8/11/2017</a:t>
+              <a:t>10/25/2017</a:t>
             </a:fld>
             <a:endParaRPr lang="en-US"/>
           </a:p>
@@ -1085,7 +1085,7 @@
             <a:fld id="{1D8BD707-D9CF-40AE-B4C6-C98DA3205C09}" type="datetimeFigureOut">
               <a:rPr lang="en-US" smtClean="0"/>
               <a:pPr/>
-              <a:t>8/11/2017</a:t>
+              <a:t>10/25/2017</a:t>
             </a:fld>
             <a:endParaRPr lang="en-US"/>
           </a:p>
@@ -1252,7 +1252,7 @@
             <a:fld id="{1D8BD707-D9CF-40AE-B4C6-C98DA3205C09}" type="datetimeFigureOut">
               <a:rPr lang="en-US" smtClean="0"/>
               <a:pPr/>
-              <a:t>8/11/2017</a:t>
+              <a:t>10/25/2017</a:t>
             </a:fld>
             <a:endParaRPr lang="en-US"/>
           </a:p>
@@ -1495,7 +1495,7 @@
             <a:fld id="{1D8BD707-D9CF-40AE-B4C6-C98DA3205C09}" type="datetimeFigureOut">
               <a:rPr lang="en-US" smtClean="0"/>
               <a:pPr/>
-              <a:t>8/11/2017</a:t>
+              <a:t>10/25/2017</a:t>
             </a:fld>
             <a:endParaRPr lang="en-US"/>
           </a:p>
@@ -1780,7 +1780,7 @@
             <a:fld id="{1D8BD707-D9CF-40AE-B4C6-C98DA3205C09}" type="datetimeFigureOut">
               <a:rPr lang="en-US" smtClean="0"/>
               <a:pPr/>
-              <a:t>8/11/2017</a:t>
+              <a:t>10/25/2017</a:t>
             </a:fld>
             <a:endParaRPr lang="en-US"/>
           </a:p>
@@ -2199,7 +2199,7 @@
             <a:fld id="{1D8BD707-D9CF-40AE-B4C6-C98DA3205C09}" type="datetimeFigureOut">
               <a:rPr lang="en-US" smtClean="0"/>
               <a:pPr/>
-              <a:t>8/11/2017</a:t>
+              <a:t>10/25/2017</a:t>
             </a:fld>
             <a:endParaRPr lang="en-US"/>
           </a:p>
@@ -2314,7 +2314,7 @@
             <a:fld id="{1D8BD707-D9CF-40AE-B4C6-C98DA3205C09}" type="datetimeFigureOut">
               <a:rPr lang="en-US" smtClean="0"/>
               <a:pPr/>
-              <a:t>8/11/2017</a:t>
+              <a:t>10/25/2017</a:t>
             </a:fld>
             <a:endParaRPr lang="en-US"/>
           </a:p>
@@ -2406,7 +2406,7 @@
             <a:fld id="{1D8BD707-D9CF-40AE-B4C6-C98DA3205C09}" type="datetimeFigureOut">
               <a:rPr lang="en-US" smtClean="0"/>
               <a:pPr/>
-              <a:t>8/11/2017</a:t>
+              <a:t>10/25/2017</a:t>
             </a:fld>
             <a:endParaRPr lang="en-US"/>
           </a:p>
@@ -2680,7 +2680,7 @@
             <a:fld id="{1D8BD707-D9CF-40AE-B4C6-C98DA3205C09}" type="datetimeFigureOut">
               <a:rPr lang="en-US" smtClean="0"/>
               <a:pPr/>
-              <a:t>8/11/2017</a:t>
+              <a:t>10/25/2017</a:t>
             </a:fld>
             <a:endParaRPr lang="en-US"/>
           </a:p>
@@ -2930,7 +2930,7 @@
             <a:fld id="{1D8BD707-D9CF-40AE-B4C6-C98DA3205C09}" type="datetimeFigureOut">
               <a:rPr lang="en-US" smtClean="0"/>
               <a:pPr/>
-              <a:t>8/11/2017</a:t>
+              <a:t>10/25/2017</a:t>
             </a:fld>
             <a:endParaRPr lang="en-US"/>
           </a:p>
@@ -3140,7 +3140,7 @@
             <a:fld id="{1D8BD707-D9CF-40AE-B4C6-C98DA3205C09}" type="datetimeFigureOut">
               <a:rPr lang="en-US" smtClean="0"/>
               <a:pPr/>
-              <a:t>8/11/2017</a:t>
+              <a:t>10/25/2017</a:t>
             </a:fld>
             <a:endParaRPr lang="en-US"/>
           </a:p>
@@ -3568,8 +3568,15 @@
                   </a:schemeClr>
                 </a:solidFill>
               </a:rPr>
-              <a:t>Portland Data Science Group</a:t>
-            </a:r>
+              <a:t>Artificial Intelligence Training</a:t>
+            </a:r>
+            <a:endParaRPr lang="en-US" sz="2400" dirty="0" smtClean="0">
+              <a:solidFill>
+                <a:schemeClr val="accent1">
+                  <a:lumMod val="75000"/>
+                </a:schemeClr>
+              </a:solidFill>
+            </a:endParaRPr>
           </a:p>
           <a:p>
             <a:r>
@@ -3593,7 +3600,7 @@
               <a:t>Ferlitsch</a:t>
             </a:r>
             <a:r>
-              <a:rPr lang="en-US" sz="2400" dirty="0">
+              <a:rPr lang="en-US" sz="2400">
                 <a:solidFill>
                   <a:schemeClr val="accent1">
                     <a:lumMod val="75000"/>
@@ -3603,7 +3610,7 @@
               <a:t/>
             </a:r>
             <a:br>
-              <a:rPr lang="en-US" sz="2400" dirty="0">
+              <a:rPr lang="en-US" sz="2400">
                 <a:solidFill>
                   <a:schemeClr val="accent1">
                     <a:lumMod val="75000"/>
@@ -3612,35 +3619,31 @@
               </a:rPr>
             </a:br>
             <a:r>
-              <a:rPr lang="en-US" sz="2400" dirty="0">
+              <a:rPr lang="en-US" sz="2400" smtClean="0">
                 <a:solidFill>
                   <a:schemeClr val="accent1">
                     <a:lumMod val="75000"/>
                   </a:schemeClr>
                 </a:solidFill>
               </a:rPr>
-              <a:t>Community Outreach </a:t>
-            </a:r>
-            <a:r>
-              <a:rPr lang="en-US" sz="2400" dirty="0" smtClean="0">
+              <a:t>Instructor</a:t>
+            </a:r>
+            <a:br>
+              <a:rPr lang="en-US" sz="2400" smtClean="0">
                 <a:solidFill>
                   <a:schemeClr val="accent1">
                     <a:lumMod val="75000"/>
                   </a:schemeClr>
                 </a:solidFill>
               </a:rPr>
-              <a:t>Officer</a:t>
-            </a:r>
-            <a:r>
-              <a:rPr lang="en-US" sz="2400" dirty="0" smtClean="0"/>
-              <a:t/>
-            </a:r>
-            <a:br>
-              <a:rPr lang="en-US" sz="2400" dirty="0" smtClean="0"/>
             </a:br>
             <a:r>
+              <a:rPr lang="en-US" sz="1800" smtClean="0"/>
+              <a:t>August</a:t>
+            </a:r>
+            <a:r>
               <a:rPr lang="en-US" sz="1800" dirty="0" smtClean="0"/>
-              <a:t>August, 2017</a:t>
+              <a:t>, 2017</a:t>
             </a:r>
             <a:endParaRPr lang="en-US" sz="1800" dirty="0"/>
           </a:p>
@@ -4852,17 +4855,7 @@
                   </a:schemeClr>
                 </a:solidFill>
               </a:rPr>
-              <a:t>Markov </a:t>
-            </a:r>
-            <a:r>
-              <a:rPr lang="en-US" dirty="0" smtClean="0">
-                <a:solidFill>
-                  <a:schemeClr val="accent1">
-                    <a:lumMod val="75000"/>
-                  </a:schemeClr>
-                </a:solidFill>
-              </a:rPr>
-              <a:t>Reward Evaluation Function</a:t>
+              <a:t>Markov Reward Evaluation Function</a:t>
             </a:r>
             <a:endParaRPr lang="en-US" dirty="0">
               <a:solidFill>
@@ -4941,13 +4934,6 @@
               </a:rPr>
               <a:t>Assume a Markov Chain Transition State Matrix:</a:t>
             </a:r>
-            <a:endParaRPr lang="en-US" sz="2800" b="1" dirty="0" smtClean="0">
-              <a:solidFill>
-                <a:schemeClr val="accent5">
-                  <a:lumMod val="75000"/>
-                </a:schemeClr>
-              </a:solidFill>
-            </a:endParaRPr>
           </a:p>
           <a:p>
             <a:endParaRPr lang="en-US" sz="2800" b="1" dirty="0" smtClean="0">
@@ -5309,13 +5295,6 @@
               </a:rPr>
               <a:t>Expected Accumulated Return to a Goal.</a:t>
             </a:r>
-            <a:endParaRPr lang="en-US" sz="2800" b="1" dirty="0" smtClean="0">
-              <a:solidFill>
-                <a:schemeClr val="accent5">
-                  <a:lumMod val="75000"/>
-                </a:schemeClr>
-              </a:solidFill>
-            </a:endParaRPr>
           </a:p>
           <a:p>
             <a:endParaRPr lang="en-US" sz="2800" b="1" dirty="0" smtClean="0">
@@ -6742,11 +6721,6 @@
               </a:rPr>
               <a:t>2</a:t>
             </a:r>
-            <a:endParaRPr lang="en-US" baseline="-25000" dirty="0">
-              <a:solidFill>
-                <a:schemeClr val="tx1"/>
-              </a:solidFill>
-            </a:endParaRPr>
           </a:p>
         </p:txBody>
       </p:sp>
@@ -7499,7 +7473,6 @@
               <a:rPr lang="en-US" sz="2000" b="1" dirty="0"/>
               <a:t> = s )</a:t>
             </a:r>
-            <a:endParaRPr lang="en-US" sz="2000" b="1" dirty="0"/>
           </a:p>
         </p:txBody>
       </p:sp>
@@ -8036,11 +8009,6 @@
               </a:rPr>
               <a:t>2</a:t>
             </a:r>
-            <a:endParaRPr lang="en-US" baseline="-25000" dirty="0">
-              <a:solidFill>
-                <a:schemeClr val="tx1"/>
-              </a:solidFill>
-            </a:endParaRPr>
           </a:p>
         </p:txBody>
       </p:sp>
@@ -9115,11 +9083,7 @@
             </a:r>
             <a:r>
               <a:rPr lang="en-US" sz="2000" b="1" dirty="0" smtClean="0"/>
-              <a:t> = State at Time </a:t>
-            </a:r>
-            <a:r>
-              <a:rPr lang="en-US" sz="2000" b="1" dirty="0" smtClean="0"/>
-              <a:t>t+1</a:t>
+              <a:t> = State at Time t+1</a:t>
             </a:r>
           </a:p>
           <a:p>
@@ -9308,17 +9272,7 @@
                   </a:schemeClr>
                 </a:solidFill>
               </a:rPr>
-              <a:t>Markov </a:t>
-            </a:r>
-            <a:r>
-              <a:rPr lang="en-US" dirty="0" smtClean="0">
-                <a:solidFill>
-                  <a:schemeClr val="accent1">
-                    <a:lumMod val="75000"/>
-                  </a:schemeClr>
-                </a:solidFill>
-              </a:rPr>
-              <a:t>Property Definition</a:t>
+              <a:t>Markov Property Definition</a:t>
             </a:r>
             <a:endParaRPr lang="en-US" dirty="0">
               <a:solidFill>
@@ -9587,13 +9541,6 @@
               </a:rPr>
               <a:t>).</a:t>
             </a:r>
-            <a:endParaRPr lang="en-US" sz="2000" b="1" dirty="0" smtClean="0">
-              <a:solidFill>
-                <a:schemeClr val="accent6">
-                  <a:lumMod val="50000"/>
-                </a:schemeClr>
-              </a:solidFill>
-            </a:endParaRPr>
           </a:p>
           <a:p>
             <a:endParaRPr lang="en-US" sz="2800" b="1" dirty="0">
@@ -10022,17 +9969,7 @@
                   </a:schemeClr>
                 </a:solidFill>
               </a:rPr>
-              <a:t>Markov </a:t>
-            </a:r>
-            <a:r>
-              <a:rPr lang="en-US" dirty="0" smtClean="0">
-                <a:solidFill>
-                  <a:schemeClr val="accent1">
-                    <a:lumMod val="75000"/>
-                  </a:schemeClr>
-                </a:solidFill>
-              </a:rPr>
-              <a:t>Property Definition</a:t>
+              <a:t>Markov Property Definition</a:t>
             </a:r>
             <a:endParaRPr lang="en-US" dirty="0">
               <a:solidFill>
@@ -11254,8 +11191,8 @@
           </a:fontRef>
         </p:style>
       </p:cxnSp>
-      <mc:AlternateContent xmlns:mc="http://schemas.openxmlformats.org/markup-compatibility/2006">
-        <mc:Choice xmlns:a14="http://schemas.microsoft.com/office/drawing/2010/main" Requires="a14">
+      <mc:AlternateContent xmlns:mc="http://schemas.openxmlformats.org/markup-compatibility/2006" xmlns:a14="http://schemas.microsoft.com/office/drawing/2010/main">
+        <mc:Choice Requires="a14">
           <p:sp>
             <p:nvSpPr>
               <p:cNvPr id="13" name="TextBox 12"/>
@@ -11278,6 +11215,7 @@
               </a:bodyPr>
               <a:lstStyle/>
               <a:p>
+                <a:pPr/>
                 <a14:m>
                   <m:oMathPara xmlns:m="http://schemas.openxmlformats.org/officeDocument/2006/math">
                     <m:oMathParaPr>
@@ -11444,7 +11382,7 @@
             </p:txBody>
           </p:sp>
         </mc:Choice>
-        <mc:Fallback>
+        <mc:Fallback xmlns="">
           <p:sp>
             <p:nvSpPr>
               <p:cNvPr id="13" name="TextBox 12"/>
@@ -11888,17 +11826,7 @@
                   </a:schemeClr>
                 </a:solidFill>
               </a:rPr>
-              <a:t>Markov </a:t>
-            </a:r>
-            <a:r>
-              <a:rPr lang="en-US" dirty="0" smtClean="0">
-                <a:solidFill>
-                  <a:schemeClr val="accent1">
-                    <a:lumMod val="75000"/>
-                  </a:schemeClr>
-                </a:solidFill>
-              </a:rPr>
-              <a:t>Process</a:t>
+              <a:t>Markov Process</a:t>
             </a:r>
             <a:endParaRPr lang="en-US" dirty="0">
               <a:solidFill>
@@ -11985,17 +11913,7 @@
                   </a:schemeClr>
                 </a:solidFill>
               </a:rPr>
-              <a:t>Markov </a:t>
-            </a:r>
-            <a:r>
-              <a:rPr lang="en-US" sz="2800" b="1" dirty="0" smtClean="0">
-                <a:solidFill>
-                  <a:schemeClr val="accent6">
-                    <a:lumMod val="75000"/>
-                  </a:schemeClr>
-                </a:solidFill>
-              </a:rPr>
-              <a:t>Process </a:t>
+              <a:t>Markov Process </a:t>
             </a:r>
             <a:r>
               <a:rPr lang="en-US" sz="2800" b="1" dirty="0" smtClean="0">
@@ -12005,25 +11923,8 @@
                   </a:schemeClr>
                 </a:solidFill>
               </a:rPr>
-              <a:t>is a </a:t>
-            </a:r>
-            <a:r>
-              <a:rPr lang="en-US" sz="2800" b="1" dirty="0" smtClean="0">
-                <a:solidFill>
-                  <a:schemeClr val="accent5">
-                    <a:lumMod val="75000"/>
-                  </a:schemeClr>
-                </a:solidFill>
-              </a:rPr>
-              <a:t>sequence of random states with each state having a Markov property.</a:t>
-            </a:r>
-            <a:endParaRPr lang="en-US" sz="2800" b="1" dirty="0" smtClean="0">
-              <a:solidFill>
-                <a:schemeClr val="accent5">
-                  <a:lumMod val="75000"/>
-                </a:schemeClr>
-              </a:solidFill>
-            </a:endParaRPr>
+              <a:t>is a sequence of random states with each state having a Markov property.</a:t>
+            </a:r>
           </a:p>
           <a:p>
             <a:endParaRPr lang="en-US" sz="2800" b="1" dirty="0" smtClean="0">
@@ -12150,17 +12051,7 @@
                   </a:schemeClr>
                 </a:solidFill>
               </a:rPr>
-              <a:t>Markov </a:t>
-            </a:r>
-            <a:r>
-              <a:rPr lang="en-US" dirty="0" smtClean="0">
-                <a:solidFill>
-                  <a:schemeClr val="accent1">
-                    <a:lumMod val="75000"/>
-                  </a:schemeClr>
-                </a:solidFill>
-              </a:rPr>
-              <a:t>Process</a:t>
+              <a:t>Markov Process</a:t>
             </a:r>
             <a:endParaRPr lang="en-US" dirty="0">
               <a:solidFill>
@@ -13259,17 +13150,7 @@
                   </a:schemeClr>
                 </a:solidFill>
               </a:rPr>
-              <a:t>Markov </a:t>
-            </a:r>
-            <a:r>
-              <a:rPr lang="en-US" dirty="0" smtClean="0">
-                <a:solidFill>
-                  <a:schemeClr val="accent1">
-                    <a:lumMod val="75000"/>
-                  </a:schemeClr>
-                </a:solidFill>
-              </a:rPr>
-              <a:t>Chain</a:t>
+              <a:t>Markov Chain</a:t>
             </a:r>
             <a:endParaRPr lang="en-US" dirty="0">
               <a:solidFill>
@@ -15012,17 +14893,7 @@
                   </a:schemeClr>
                 </a:solidFill>
               </a:rPr>
-              <a:t>Markov </a:t>
-            </a:r>
-            <a:r>
-              <a:rPr lang="en-US" dirty="0" smtClean="0">
-                <a:solidFill>
-                  <a:schemeClr val="accent1">
-                    <a:lumMod val="75000"/>
-                  </a:schemeClr>
-                </a:solidFill>
-              </a:rPr>
-              <a:t>Reward Process</a:t>
+              <a:t>Markov Reward Process</a:t>
             </a:r>
             <a:endParaRPr lang="en-US" dirty="0">
               <a:solidFill>
@@ -15109,17 +14980,7 @@
                   </a:schemeClr>
                 </a:solidFill>
               </a:rPr>
-              <a:t>Markov Reward </a:t>
-            </a:r>
-            <a:r>
-              <a:rPr lang="en-US" sz="2800" b="1" dirty="0" smtClean="0">
-                <a:solidFill>
-                  <a:schemeClr val="accent6">
-                    <a:lumMod val="75000"/>
-                  </a:schemeClr>
-                </a:solidFill>
-              </a:rPr>
-              <a:t>Process </a:t>
+              <a:t>Markov Reward Process </a:t>
             </a:r>
             <a:r>
               <a:rPr lang="en-US" sz="2800" b="1" dirty="0" smtClean="0">
@@ -15129,25 +14990,8 @@
                   </a:schemeClr>
                 </a:solidFill>
               </a:rPr>
-              <a:t>is a </a:t>
-            </a:r>
-            <a:r>
-              <a:rPr lang="en-US" sz="2800" b="1" dirty="0" smtClean="0">
-                <a:solidFill>
-                  <a:schemeClr val="accent5">
-                    <a:lumMod val="75000"/>
-                  </a:schemeClr>
-                </a:solidFill>
-              </a:rPr>
-              <a:t>Markov Process with values.</a:t>
-            </a:r>
-            <a:endParaRPr lang="en-US" sz="2800" b="1" dirty="0" smtClean="0">
-              <a:solidFill>
-                <a:schemeClr val="accent5">
-                  <a:lumMod val="75000"/>
-                </a:schemeClr>
-              </a:solidFill>
-            </a:endParaRPr>
+              <a:t>is a Markov Process with values.</a:t>
+            </a:r>
           </a:p>
           <a:p>
             <a:endParaRPr lang="en-US" sz="2800" b="1" dirty="0" smtClean="0">

--- a/Presentations/AI - Markov.pptx
+++ b/Presentations/AI - Markov.pptx
@@ -207,7 +207,7 @@
           <a:p>
             <a:fld id="{FAF957FC-5175-49AC-8D2B-2F056FFFC1DD}" type="datetimeFigureOut">
               <a:rPr lang="en-US" smtClean="0"/>
-              <a:t>10/25/2017</a:t>
+              <a:t>11/10/2017</a:t>
             </a:fld>
             <a:endParaRPr lang="en-US"/>
           </a:p>
@@ -741,7 +741,7 @@
             <a:fld id="{1D8BD707-D9CF-40AE-B4C6-C98DA3205C09}" type="datetimeFigureOut">
               <a:rPr lang="en-US" smtClean="0"/>
               <a:pPr/>
-              <a:t>10/25/2017</a:t>
+              <a:t>11/10/2017</a:t>
             </a:fld>
             <a:endParaRPr lang="en-US"/>
           </a:p>
@@ -908,7 +908,7 @@
             <a:fld id="{1D8BD707-D9CF-40AE-B4C6-C98DA3205C09}" type="datetimeFigureOut">
               <a:rPr lang="en-US" smtClean="0"/>
               <a:pPr/>
-              <a:t>10/25/2017</a:t>
+              <a:t>11/10/2017</a:t>
             </a:fld>
             <a:endParaRPr lang="en-US"/>
           </a:p>
@@ -1085,7 +1085,7 @@
             <a:fld id="{1D8BD707-D9CF-40AE-B4C6-C98DA3205C09}" type="datetimeFigureOut">
               <a:rPr lang="en-US" smtClean="0"/>
               <a:pPr/>
-              <a:t>10/25/2017</a:t>
+              <a:t>11/10/2017</a:t>
             </a:fld>
             <a:endParaRPr lang="en-US"/>
           </a:p>
@@ -1252,7 +1252,7 @@
             <a:fld id="{1D8BD707-D9CF-40AE-B4C6-C98DA3205C09}" type="datetimeFigureOut">
               <a:rPr lang="en-US" smtClean="0"/>
               <a:pPr/>
-              <a:t>10/25/2017</a:t>
+              <a:t>11/10/2017</a:t>
             </a:fld>
             <a:endParaRPr lang="en-US"/>
           </a:p>
@@ -1495,7 +1495,7 @@
             <a:fld id="{1D8BD707-D9CF-40AE-B4C6-C98DA3205C09}" type="datetimeFigureOut">
               <a:rPr lang="en-US" smtClean="0"/>
               <a:pPr/>
-              <a:t>10/25/2017</a:t>
+              <a:t>11/10/2017</a:t>
             </a:fld>
             <a:endParaRPr lang="en-US"/>
           </a:p>
@@ -1780,7 +1780,7 @@
             <a:fld id="{1D8BD707-D9CF-40AE-B4C6-C98DA3205C09}" type="datetimeFigureOut">
               <a:rPr lang="en-US" smtClean="0"/>
               <a:pPr/>
-              <a:t>10/25/2017</a:t>
+              <a:t>11/10/2017</a:t>
             </a:fld>
             <a:endParaRPr lang="en-US"/>
           </a:p>
@@ -2199,7 +2199,7 @@
             <a:fld id="{1D8BD707-D9CF-40AE-B4C6-C98DA3205C09}" type="datetimeFigureOut">
               <a:rPr lang="en-US" smtClean="0"/>
               <a:pPr/>
-              <a:t>10/25/2017</a:t>
+              <a:t>11/10/2017</a:t>
             </a:fld>
             <a:endParaRPr lang="en-US"/>
           </a:p>
@@ -2314,7 +2314,7 @@
             <a:fld id="{1D8BD707-D9CF-40AE-B4C6-C98DA3205C09}" type="datetimeFigureOut">
               <a:rPr lang="en-US" smtClean="0"/>
               <a:pPr/>
-              <a:t>10/25/2017</a:t>
+              <a:t>11/10/2017</a:t>
             </a:fld>
             <a:endParaRPr lang="en-US"/>
           </a:p>
@@ -2406,7 +2406,7 @@
             <a:fld id="{1D8BD707-D9CF-40AE-B4C6-C98DA3205C09}" type="datetimeFigureOut">
               <a:rPr lang="en-US" smtClean="0"/>
               <a:pPr/>
-              <a:t>10/25/2017</a:t>
+              <a:t>11/10/2017</a:t>
             </a:fld>
             <a:endParaRPr lang="en-US"/>
           </a:p>
@@ -2680,7 +2680,7 @@
             <a:fld id="{1D8BD707-D9CF-40AE-B4C6-C98DA3205C09}" type="datetimeFigureOut">
               <a:rPr lang="en-US" smtClean="0"/>
               <a:pPr/>
-              <a:t>10/25/2017</a:t>
+              <a:t>11/10/2017</a:t>
             </a:fld>
             <a:endParaRPr lang="en-US"/>
           </a:p>
@@ -2930,7 +2930,7 @@
             <a:fld id="{1D8BD707-D9CF-40AE-B4C6-C98DA3205C09}" type="datetimeFigureOut">
               <a:rPr lang="en-US" smtClean="0"/>
               <a:pPr/>
-              <a:t>10/25/2017</a:t>
+              <a:t>11/10/2017</a:t>
             </a:fld>
             <a:endParaRPr lang="en-US"/>
           </a:p>
@@ -3140,7 +3140,7 @@
             <a:fld id="{1D8BD707-D9CF-40AE-B4C6-C98DA3205C09}" type="datetimeFigureOut">
               <a:rPr lang="en-US" smtClean="0"/>
               <a:pPr/>
-              <a:t>10/25/2017</a:t>
+              <a:t>11/10/2017</a:t>
             </a:fld>
             <a:endParaRPr lang="en-US"/>
           </a:p>
@@ -3570,13 +3570,6 @@
               </a:rPr>
               <a:t>Artificial Intelligence Training</a:t>
             </a:r>
-            <a:endParaRPr lang="en-US" sz="2400" dirty="0" smtClean="0">
-              <a:solidFill>
-                <a:schemeClr val="accent1">
-                  <a:lumMod val="75000"/>
-                </a:schemeClr>
-              </a:solidFill>
-            </a:endParaRPr>
           </a:p>
           <a:p>
             <a:r>
@@ -13946,7 +13939,15 @@
             </a:r>
             <a:r>
               <a:rPr lang="en-US" b="1" dirty="0" smtClean="0"/>
-              <a:t>0.0 0.5 0.0 0.0 0.5</a:t>
+              <a:t>0.0 </a:t>
+            </a:r>
+            <a:r>
+              <a:rPr lang="en-US" b="1" smtClean="0"/>
+              <a:t>00  0.5 0.0 </a:t>
+            </a:r>
+            <a:r>
+              <a:rPr lang="en-US" b="1" dirty="0" smtClean="0"/>
+              <a:t>0.5</a:t>
             </a:r>
           </a:p>
           <a:p>
